--- a/Textbooks/Margaret Murnane.pptx
+++ b/Textbooks/Margaret Murnane.pptx
@@ -6,6 +6,7 @@
   </p:sldMasterIdLst>
   <p:sldIdLst>
     <p:sldId id="256" r:id="rId7"/>
+    <p:sldId id="257" r:id="rId9"/>
   </p:sldIdLst>
   <p:sldSz cx="9144000" cy="6858000" type="screen4x3"/>
   <p:notesSz cx="6858000" cy="9144000"/>
@@ -514,7 +515,173 @@
             </a:r>
             <a:br/>
             <a:r>
-              <a:t>Knight, 3rd edition, Chapter 32, section 2</a:t>
+              <a:t>Knight, Physics for Scientists and Engineers: A Strategic Approach with Modern Physics, 3rd Edition, Chapter 32, section 2</a:t>
+            </a:r>
+            <a:br/>
+            <a:r>
+              <a:t>Halliday Resnick and Walker, 6th edition, Chapter 6</a:t>
+            </a:r>
+            <a:br/>
+            <a:br/>
+            <a:r>
+              <a:t># Description</a:t>
+            </a:r>
+            <a:br/>
+            <a:r>
+              <a:t>Margaret Murnane is an optical physicist at the University of</a:t>
+            </a:r>
+            <a:br/>
+            <a:r>
+              <a:t>Colorado. She has built "the fastest things that humans have ever</a:t>
+            </a:r>
+            <a:br/>
+            <a:r>
+              <a:t>created" lasers which can flash for "ten quadrillionths of a second"!</a:t>
+            </a:r>
+            <a:br/>
+            <a:r>
+              <a:t>Her background includes the fact that "physics was [her] worst subject</a:t>
+            </a:r>
+            <a:br/>
+            <a:r>
+              <a:t>in high school" but she dreamed of being a physicist because she loved</a:t>
+            </a:r>
+            <a:br/>
+            <a:r>
+              <a:t>the "excitement of discovery." She and her husband now run a lab at</a:t>
+            </a:r>
+            <a:br/>
+            <a:r>
+              <a:t>the University of Colorado. In the lab, she records "some of the</a:t>
+            </a:r>
+            <a:br/>
+            <a:r>
+              <a:t>fastest motions in our natural world." Her lasers can capture the</a:t>
+            </a:r>
+            <a:br/>
+            <a:r>
+              <a:t>movement of electrons. Her newest laser and x-ray beams can flash for</a:t>
+            </a:r>
+            <a:br/>
+            <a:r>
+              <a:t>less than 0.00000000000000001 seconds. Talk about "in the blink of an</a:t>
+            </a:r>
+            <a:br/>
+            <a:r>
+              <a:t>eye!" She is able to pass on excitement and knowledge to</a:t>
+            </a:r>
+            <a:br/>
+            <a:r>
+              <a:t>students. Scientists use her lasers which are based on her</a:t>
+            </a:r>
+            <a:br/>
+            <a:r>
+              <a:t>titanium-sapphire design to study a wide range of phenomena (chemical</a:t>
+            </a:r>
+            <a:br/>
+            <a:r>
+              <a:t>reactions, etc.).</a:t>
+            </a:r>
+            <a:br/>
+            <a:br/>
+            <a:r>
+              <a:t># Sources</a:t>
+            </a:r>
+            <a:br/>
+            <a:r>
+              <a:t>https://en.wikipedia.org/wiki/Margaret_Murnane</a:t>
+            </a:r>
+            <a:br/>
+            <a:r>
+              <a:t>https://jila.colorado.edu/kmlabs/bio/murnane</a:t>
+            </a:r>
+            <a:br/>
+            <a:br/>
+            <a:r>
+              <a:t># Photo</a:t>
+            </a:r>
+            <a:br/>
+            <a:r>
+              <a:t>https://jila.colorado.edu/kmlabs/sites/default/files/styles/200_image/public/images/bios/Margaret_Murnane_portrait.jpg?itok=jY-_AF2Q</a:t>
+            </a:r>
+            <a:br/>
+            <a:r>
+              <a:t>https://www.colorado.edu/physics/sites/default/files/styles/small/public/people/murnane_margaret_final.jpg?itok=5D4kIR1j</a:t>
+            </a:r>
+            <a:br/>
+          </a:p>
+        </p:txBody>
+      </p:sp>
+      <p:sp>
+        <p:nvSpPr>
+          <p:cNvPr id="4" name="Slide Number Placeholder 3"/>
+          <p:cNvSpPr>
+            <a:spLocks noGrp="1"/>
+          </p:cNvSpPr>
+          <p:nvPr>
+            <p:ph type="sldNum" idx="5" sz="quarter"/>
+          </p:nvPr>
+        </p:nvSpPr>
+        <p:spPr/>
+      </p:sp>
+    </p:spTree>
+  </p:cSld>
+  <p:clrMapOvr>
+    <a:masterClrMapping/>
+  </p:clrMapOvr>
+</p:notes>
+</file>
+
+<file path=ppt/notesSlides/notesSlide2.xml><?xml version="1.0" encoding="utf-8"?>
+<p:notes xmlns:a="http://schemas.openxmlformats.org/drawingml/2006/main" xmlns:p="http://schemas.openxmlformats.org/presentationml/2006/main" xmlns:r="http://schemas.openxmlformats.org/officeDocument/2006/relationships">
+  <p:cSld>
+    <p:spTree>
+      <p:nvGrpSpPr>
+        <p:cNvPr id="1" name=""/>
+        <p:cNvGrpSpPr/>
+        <p:nvPr/>
+      </p:nvGrpSpPr>
+      <p:grpSpPr>
+        <a:xfrm>
+          <a:off x="0" y="0"/>
+          <a:ext cx="0" cy="0"/>
+          <a:chOff x="0" y="0"/>
+          <a:chExt cx="0" cy="0"/>
+        </a:xfrm>
+      </p:grpSpPr>
+      <p:sp>
+        <p:nvSpPr>
+          <p:cNvPr id="2" name="Slide Image Placeholder 1"/>
+          <p:cNvSpPr>
+            <a:spLocks noGrp="1"/>
+          </p:cNvSpPr>
+          <p:nvPr>
+            <p:ph type="sldImg" idx="2"/>
+          </p:nvPr>
+        </p:nvSpPr>
+        <p:spPr/>
+      </p:sp>
+      <p:sp>
+        <p:nvSpPr>
+          <p:cNvPr id="3" name="Notes Placeholder 2"/>
+          <p:cNvSpPr>
+            <a:spLocks noGrp="1"/>
+          </p:cNvSpPr>
+          <p:nvPr>
+            <p:ph type="body" idx="3" sz="quarter"/>
+          </p:nvPr>
+        </p:nvSpPr>
+        <p:spPr/>
+        <p:txBody>
+          <a:bodyPr/>
+          <a:lstStyle/>
+          <a:p>
+            <a:r>
+              <a:t># Name</a:t>
+            </a:r>
+            <a:br/>
+            <a:r>
+              <a:t>Margaret Murnane</a:t>
             </a:r>
             <a:br/>
             <a:r>
@@ -522,6 +689,10 @@
             </a:r>
             <a:br/>
             <a:r>
+              <a:t>Knight, Physics for Scientists and Engineers: A Strategic Approach with Modern Physics, 3rd Edition, Chapter 32, section 2</a:t>
+            </a:r>
+            <a:br/>
+            <a:r>
               <a:t>Halliday Resnick and Walker, 6th edition, Chapter 6</a:t>
             </a:r>
             <a:br/>
@@ -606,6 +777,10 @@
             <a:br/>
             <a:r>
               <a:t>https://jila.colorado.edu/kmlabs/sites/default/files/styles/200_image/public/images/bios/Margaret_Murnane_portrait.jpg?itok=jY-_AF2Q</a:t>
+            </a:r>
+            <a:br/>
+            <a:r>
+              <a:t>https://www.colorado.edu/physics/sites/default/files/styles/small/public/people/murnane_margaret_final.jpg?itok=5D4kIR1j</a:t>
             </a:r>
             <a:br/>
           </a:p>
@@ -3651,6 +3826,69 @@
           <a:xfrm>
             <a:off x="457200" y="1600200"/>
             <a:ext cx="5410651" cy="4572000"/>
+          </a:xfrm>
+          <a:prstGeom prst="rect">
+            <a:avLst/>
+          </a:prstGeom>
+        </p:spPr>
+      </p:pic>
+    </p:spTree>
+  </p:cSld>
+  <p:clrMapOvr>
+    <a:masterClrMapping/>
+  </p:clrMapOvr>
+</p:sld>
+</file>
+
+<file path=ppt/slides/slide2.xml><?xml version="1.0" encoding="utf-8"?>
+<p:sld xmlns:a="http://schemas.openxmlformats.org/drawingml/2006/main" xmlns:p="http://schemas.openxmlformats.org/presentationml/2006/main" xmlns:r="http://schemas.openxmlformats.org/officeDocument/2006/relationships">
+  <p:cSld>
+    <p:spTree>
+      <p:nvGrpSpPr>
+        <p:cNvPr id="1" name=""/>
+        <p:cNvGrpSpPr/>
+        <p:nvPr/>
+      </p:nvGrpSpPr>
+      <p:grpSpPr/>
+      <p:sp>
+        <p:nvSpPr>
+          <p:cNvPr id="2" name="Title 1"/>
+          <p:cNvSpPr>
+            <a:spLocks noGrp="1"/>
+          </p:cNvSpPr>
+          <p:nvPr>
+            <p:ph type="title"/>
+          </p:nvPr>
+        </p:nvSpPr>
+        <p:spPr/>
+        <p:txBody>
+          <a:bodyPr/>
+          <a:lstStyle/>
+          <a:p>
+            <a:r>
+              <a:t>Margaret Murnane</a:t>
+            </a:r>
+          </a:p>
+        </p:txBody>
+      </p:sp>
+      <p:pic>
+        <p:nvPicPr>
+          <p:cNvPr id="3" name="Picture 2" descr="test.jpg"/>
+          <p:cNvPicPr>
+            <a:picLocks noChangeAspect="1"/>
+          </p:cNvPicPr>
+          <p:nvPr/>
+        </p:nvPicPr>
+        <p:blipFill>
+          <a:blip r:embed="rId2"/>
+          <a:stretch>
+            <a:fillRect/>
+          </a:stretch>
+        </p:blipFill>
+        <p:spPr>
+          <a:xfrm>
+            <a:off x="457200" y="1600200"/>
+            <a:ext cx="3242553" cy="4572000"/>
           </a:xfrm>
           <a:prstGeom prst="rect">
             <a:avLst/>
